--- a/Proposal/Data-Driven CMR.pptx
+++ b/Proposal/Data-Driven CMR.pptx
@@ -215,7 +215,7 @@
           <a:effectLst/>
           <a:extLst>
             <a:ext uri="{91240B29-F687-4f45-9708-019B960494DF}">
-              <a14:hiddenLine xmlns:a14="http://schemas.microsoft.com/office/drawing/2010/main" xmlns="" w="9525">
+              <a14:hiddenLine xmlns="" xmlns:a14="http://schemas.microsoft.com/office/drawing/2010/main" w="9525">
                 <a:solidFill>
                   <a:srgbClr val="000000"/>
                 </a:solidFill>
@@ -1744,7 +1744,7 @@
           <a:ln/>
           <a:extLst>
             <a:ext uri="{91240B29-F687-4f45-9708-019B960494DF}">
-              <a14:hiddenLine xmlns:a14="http://schemas.microsoft.com/office/drawing/2010/main" xmlns="" w="9525">
+              <a14:hiddenLine xmlns="" xmlns:a14="http://schemas.microsoft.com/office/drawing/2010/main" w="9525">
                 <a:solidFill>
                   <a:srgbClr val="000000"/>
                 </a:solidFill>
@@ -2019,7 +2019,7 @@
           <a:ln/>
           <a:extLst>
             <a:ext uri="{91240B29-F687-4f45-9708-019B960494DF}">
-              <a14:hiddenLine xmlns:a14="http://schemas.microsoft.com/office/drawing/2010/main" xmlns="" w="9525">
+              <a14:hiddenLine xmlns="" xmlns:a14="http://schemas.microsoft.com/office/drawing/2010/main" w="9525">
                 <a:solidFill>
                   <a:srgbClr val="000000"/>
                 </a:solidFill>
@@ -2302,7 +2302,7 @@
           <a:ln/>
           <a:extLst>
             <a:ext uri="{91240B29-F687-4f45-9708-019B960494DF}">
-              <a14:hiddenLine xmlns:a14="http://schemas.microsoft.com/office/drawing/2010/main" xmlns="" w="9525">
+              <a14:hiddenLine xmlns="" xmlns:a14="http://schemas.microsoft.com/office/drawing/2010/main" w="9525">
                 <a:solidFill>
                   <a:srgbClr val="000000"/>
                 </a:solidFill>
@@ -2958,7 +2958,7 @@
           <a:ln/>
           <a:extLst>
             <a:ext uri="{91240B29-F687-4f45-9708-019B960494DF}">
-              <a14:hiddenLine xmlns:a14="http://schemas.microsoft.com/office/drawing/2010/main" xmlns="" w="9525">
+              <a14:hiddenLine xmlns="" xmlns:a14="http://schemas.microsoft.com/office/drawing/2010/main" w="9525">
                 <a:solidFill>
                   <a:srgbClr val="000000"/>
                 </a:solidFill>
@@ -3304,7 +3304,7 @@
           <a:ln/>
           <a:extLst>
             <a:ext uri="{91240B29-F687-4f45-9708-019B960494DF}">
-              <a14:hiddenLine xmlns:a14="http://schemas.microsoft.com/office/drawing/2010/main" xmlns="" w="9525">
+              <a14:hiddenLine xmlns="" xmlns:a14="http://schemas.microsoft.com/office/drawing/2010/main" w="9525">
                 <a:solidFill>
                   <a:srgbClr val="000000"/>
                 </a:solidFill>
@@ -3781,7 +3781,7 @@
           <a:ln/>
           <a:extLst>
             <a:ext uri="{91240B29-F687-4f45-9708-019B960494DF}">
-              <a14:hiddenLine xmlns:a14="http://schemas.microsoft.com/office/drawing/2010/main" xmlns="" w="9525">
+              <a14:hiddenLine xmlns="" xmlns:a14="http://schemas.microsoft.com/office/drawing/2010/main" w="9525">
                 <a:solidFill>
                   <a:srgbClr val="000000"/>
                 </a:solidFill>
@@ -4210,7 +4210,7 @@
           <a:ln/>
           <a:extLst>
             <a:ext uri="{91240B29-F687-4f45-9708-019B960494DF}">
-              <a14:hiddenLine xmlns:a14="http://schemas.microsoft.com/office/drawing/2010/main" xmlns="" w="9525">
+              <a14:hiddenLine xmlns="" xmlns:a14="http://schemas.microsoft.com/office/drawing/2010/main" w="9525">
                 <a:solidFill>
                   <a:srgbClr val="000000"/>
                 </a:solidFill>
@@ -5522,7 +5522,15 @@
             </a:r>
             <a:r>
               <a:rPr lang="zh-TW" altLang="en-US" b="1" dirty="0" smtClean="0"/>
-              <a:t>陳祈廷、王志銘</a:t>
+              <a:t>陳祈廷</a:t>
+            </a:r>
+            <a:r>
+              <a:rPr lang="zh-TW" altLang="en-US" b="1" smtClean="0"/>
+              <a:t>、</a:t>
+            </a:r>
+            <a:r>
+              <a:rPr lang="zh-TW" altLang="en-US" b="1" smtClean="0"/>
+              <a:t>王志明</a:t>
             </a:r>
             <a:endParaRPr lang="zh-TW" altLang="en-US" b="1" dirty="0"/>
           </a:p>
@@ -8078,42 +8086,36 @@
               <a:rPr lang="zh-TW" altLang="en-US" sz="1900" dirty="0"/>
               <a:t>組合優惠價</a:t>
             </a:r>
-            <a:endParaRPr lang="zh-TW" altLang="en-US" sz="1900" dirty="0"/>
           </a:p>
           <a:p>
             <a:r>
               <a:rPr lang="zh-TW" altLang="en-US" sz="1900" dirty="0"/>
               <a:t>滿件打折 </a:t>
             </a:r>
-            <a:endParaRPr lang="zh-TW" altLang="en-US" sz="1900" dirty="0"/>
           </a:p>
           <a:p>
             <a:r>
               <a:rPr lang="zh-TW" altLang="en-US" sz="1900" dirty="0"/>
               <a:t>滿件折現</a:t>
             </a:r>
-            <a:endParaRPr lang="zh-TW" altLang="en-US" sz="1900" dirty="0"/>
           </a:p>
           <a:p>
             <a:r>
               <a:rPr lang="zh-TW" altLang="en-US" sz="1900" dirty="0"/>
               <a:t>滿額打折</a:t>
             </a:r>
-            <a:endParaRPr lang="zh-TW" altLang="en-US" sz="1900" dirty="0"/>
           </a:p>
           <a:p>
             <a:r>
               <a:rPr lang="zh-TW" altLang="en-US" sz="1900" dirty="0"/>
               <a:t>滿額折現</a:t>
             </a:r>
-            <a:endParaRPr lang="zh-TW" altLang="en-US" sz="1900" dirty="0"/>
           </a:p>
           <a:p>
             <a:r>
               <a:rPr lang="zh-TW" altLang="en-US" sz="1900" dirty="0"/>
               <a:t>滿額贈</a:t>
             </a:r>
-            <a:endParaRPr lang="zh-TW" altLang="en-US" sz="1900" dirty="0"/>
           </a:p>
           <a:p>
             <a:r>

--- a/Proposal/Data-Driven CMR.pptx
+++ b/Proposal/Data-Driven CMR.pptx
@@ -12,8 +12,9 @@
     <p:sldId id="261" r:id="rId6"/>
     <p:sldId id="262" r:id="rId7"/>
     <p:sldId id="257" r:id="rId8"/>
-    <p:sldId id="263" r:id="rId9"/>
-    <p:sldId id="264" r:id="rId10"/>
+    <p:sldId id="265" r:id="rId9"/>
+    <p:sldId id="263" r:id="rId10"/>
+    <p:sldId id="264" r:id="rId11"/>
   </p:sldIdLst>
   <p:sldSz cx="12192000" cy="6858000"/>
   <p:notesSz cx="6858000" cy="9144000"/>
@@ -215,7 +216,7 @@
           <a:effectLst/>
           <a:extLst>
             <a:ext uri="{91240B29-F687-4f45-9708-019B960494DF}">
-              <a14:hiddenLine xmlns="" xmlns:a14="http://schemas.microsoft.com/office/drawing/2010/main" w="9525">
+              <a14:hiddenLine xmlns:a14="http://schemas.microsoft.com/office/drawing/2010/main" xmlns="" w="9525">
                 <a:solidFill>
                   <a:srgbClr val="000000"/>
                 </a:solidFill>
@@ -407,7 +408,7 @@
           <a:p>
             <a:fld id="{94D352DE-06F2-4ABE-9933-DE7D6157800E}" type="datetimeFigureOut">
               <a:rPr lang="zh-TW" altLang="en-US" smtClean="0"/>
-              <a:t>2018/3/29</a:t>
+              <a:t>2018/4/18</a:t>
             </a:fld>
             <a:endParaRPr lang="zh-TW" altLang="en-US"/>
           </a:p>
@@ -732,7 +733,7 @@
           <a:p>
             <a:fld id="{94D352DE-06F2-4ABE-9933-DE7D6157800E}" type="datetimeFigureOut">
               <a:rPr lang="zh-TW" altLang="en-US" smtClean="0"/>
-              <a:t>2018/3/29</a:t>
+              <a:t>2018/4/18</a:t>
             </a:fld>
             <a:endParaRPr lang="zh-TW" altLang="en-US"/>
           </a:p>
@@ -1220,7 +1221,7 @@
           <a:p>
             <a:fld id="{94D352DE-06F2-4ABE-9933-DE7D6157800E}" type="datetimeFigureOut">
               <a:rPr lang="zh-TW" altLang="en-US" smtClean="0"/>
-              <a:t>2018/3/29</a:t>
+              <a:t>2018/4/18</a:t>
             </a:fld>
             <a:endParaRPr lang="zh-TW" altLang="en-US"/>
           </a:p>
@@ -1589,7 +1590,7 @@
           <a:p>
             <a:fld id="{94D352DE-06F2-4ABE-9933-DE7D6157800E}" type="datetimeFigureOut">
               <a:rPr lang="zh-TW" altLang="en-US" smtClean="0"/>
-              <a:t>2018/3/29</a:t>
+              <a:t>2018/4/18</a:t>
             </a:fld>
             <a:endParaRPr lang="zh-TW" altLang="en-US"/>
           </a:p>
@@ -1744,7 +1745,7 @@
           <a:ln/>
           <a:extLst>
             <a:ext uri="{91240B29-F687-4f45-9708-019B960494DF}">
-              <a14:hiddenLine xmlns="" xmlns:a14="http://schemas.microsoft.com/office/drawing/2010/main" w="9525">
+              <a14:hiddenLine xmlns:a14="http://schemas.microsoft.com/office/drawing/2010/main" xmlns="" w="9525">
                 <a:solidFill>
                   <a:srgbClr val="000000"/>
                 </a:solidFill>
@@ -1862,7 +1863,7 @@
           <a:p>
             <a:fld id="{94D352DE-06F2-4ABE-9933-DE7D6157800E}" type="datetimeFigureOut">
               <a:rPr lang="zh-TW" altLang="en-US" smtClean="0"/>
-              <a:t>2018/3/29</a:t>
+              <a:t>2018/4/18</a:t>
             </a:fld>
             <a:endParaRPr lang="zh-TW" altLang="en-US"/>
           </a:p>
@@ -2019,7 +2020,7 @@
           <a:ln/>
           <a:extLst>
             <a:ext uri="{91240B29-F687-4f45-9708-019B960494DF}">
-              <a14:hiddenLine xmlns="" xmlns:a14="http://schemas.microsoft.com/office/drawing/2010/main" w="9525">
+              <a14:hiddenLine xmlns:a14="http://schemas.microsoft.com/office/drawing/2010/main" xmlns="" w="9525">
                 <a:solidFill>
                   <a:srgbClr val="000000"/>
                 </a:solidFill>
@@ -2147,7 +2148,7 @@
           <a:p>
             <a:fld id="{94D352DE-06F2-4ABE-9933-DE7D6157800E}" type="datetimeFigureOut">
               <a:rPr lang="zh-TW" altLang="en-US" smtClean="0"/>
-              <a:t>2018/3/29</a:t>
+              <a:t>2018/4/18</a:t>
             </a:fld>
             <a:endParaRPr lang="zh-TW" altLang="en-US"/>
           </a:p>
@@ -2302,7 +2303,7 @@
           <a:ln/>
           <a:extLst>
             <a:ext uri="{91240B29-F687-4f45-9708-019B960494DF}">
-              <a14:hiddenLine xmlns="" xmlns:a14="http://schemas.microsoft.com/office/drawing/2010/main" w="9525">
+              <a14:hiddenLine xmlns:a14="http://schemas.microsoft.com/office/drawing/2010/main" xmlns="" w="9525">
                 <a:solidFill>
                   <a:srgbClr val="000000"/>
                 </a:solidFill>
@@ -2446,7 +2447,7 @@
           <a:p>
             <a:fld id="{94D352DE-06F2-4ABE-9933-DE7D6157800E}" type="datetimeFigureOut">
               <a:rPr lang="zh-TW" altLang="en-US" smtClean="0"/>
-              <a:t>2018/3/29</a:t>
+              <a:t>2018/4/18</a:t>
             </a:fld>
             <a:endParaRPr lang="zh-TW" altLang="en-US"/>
           </a:p>
@@ -2796,7 +2797,7 @@
           <a:p>
             <a:fld id="{94D352DE-06F2-4ABE-9933-DE7D6157800E}" type="datetimeFigureOut">
               <a:rPr lang="zh-TW" altLang="en-US" smtClean="0"/>
-              <a:t>2018/3/29</a:t>
+              <a:t>2018/4/18</a:t>
             </a:fld>
             <a:endParaRPr lang="zh-TW" altLang="en-US"/>
           </a:p>
@@ -2958,7 +2959,7 @@
           <a:ln/>
           <a:extLst>
             <a:ext uri="{91240B29-F687-4f45-9708-019B960494DF}">
-              <a14:hiddenLine xmlns="" xmlns:a14="http://schemas.microsoft.com/office/drawing/2010/main" w="9525">
+              <a14:hiddenLine xmlns:a14="http://schemas.microsoft.com/office/drawing/2010/main" xmlns="" w="9525">
                 <a:solidFill>
                   <a:srgbClr val="000000"/>
                 </a:solidFill>
@@ -3142,7 +3143,7 @@
           <a:p>
             <a:fld id="{94D352DE-06F2-4ABE-9933-DE7D6157800E}" type="datetimeFigureOut">
               <a:rPr lang="zh-TW" altLang="en-US" smtClean="0"/>
-              <a:t>2018/3/29</a:t>
+              <a:t>2018/4/18</a:t>
             </a:fld>
             <a:endParaRPr lang="zh-TW" altLang="en-US"/>
           </a:p>
@@ -3304,7 +3305,7 @@
           <a:ln/>
           <a:extLst>
             <a:ext uri="{91240B29-F687-4f45-9708-019B960494DF}">
-              <a14:hiddenLine xmlns="" xmlns:a14="http://schemas.microsoft.com/office/drawing/2010/main" w="9525">
+              <a14:hiddenLine xmlns:a14="http://schemas.microsoft.com/office/drawing/2010/main" xmlns="" w="9525">
                 <a:solidFill>
                   <a:srgbClr val="000000"/>
                 </a:solidFill>
@@ -3626,7 +3627,7 @@
           <a:p>
             <a:fld id="{94D352DE-06F2-4ABE-9933-DE7D6157800E}" type="datetimeFigureOut">
               <a:rPr lang="zh-TW" altLang="en-US" smtClean="0"/>
-              <a:t>2018/3/29</a:t>
+              <a:t>2018/4/18</a:t>
             </a:fld>
             <a:endParaRPr lang="zh-TW" altLang="en-US"/>
           </a:p>
@@ -3781,7 +3782,7 @@
           <a:ln/>
           <a:extLst>
             <a:ext uri="{91240B29-F687-4f45-9708-019B960494DF}">
-              <a14:hiddenLine xmlns="" xmlns:a14="http://schemas.microsoft.com/office/drawing/2010/main" w="9525">
+              <a14:hiddenLine xmlns:a14="http://schemas.microsoft.com/office/drawing/2010/main" xmlns="" w="9525">
                 <a:solidFill>
                   <a:srgbClr val="000000"/>
                 </a:solidFill>
@@ -3847,7 +3848,7 @@
           <a:p>
             <a:fld id="{94D352DE-06F2-4ABE-9933-DE7D6157800E}" type="datetimeFigureOut">
               <a:rPr lang="zh-TW" altLang="en-US" smtClean="0"/>
-              <a:t>2018/3/29</a:t>
+              <a:t>2018/4/18</a:t>
             </a:fld>
             <a:endParaRPr lang="zh-TW" altLang="en-US"/>
           </a:p>
@@ -3942,7 +3943,7 @@
           <a:p>
             <a:fld id="{94D352DE-06F2-4ABE-9933-DE7D6157800E}" type="datetimeFigureOut">
               <a:rPr lang="zh-TW" altLang="en-US" smtClean="0"/>
-              <a:t>2018/3/29</a:t>
+              <a:t>2018/4/18</a:t>
             </a:fld>
             <a:endParaRPr lang="zh-TW" altLang="en-US"/>
           </a:p>
@@ -4210,7 +4211,7 @@
           <a:ln/>
           <a:extLst>
             <a:ext uri="{91240B29-F687-4f45-9708-019B960494DF}">
-              <a14:hiddenLine xmlns="" xmlns:a14="http://schemas.microsoft.com/office/drawing/2010/main" w="9525">
+              <a14:hiddenLine xmlns:a14="http://schemas.microsoft.com/office/drawing/2010/main" xmlns="" w="9525">
                 <a:solidFill>
                   <a:srgbClr val="000000"/>
                 </a:solidFill>
@@ -4409,7 +4410,7 @@
           <a:p>
             <a:fld id="{94D352DE-06F2-4ABE-9933-DE7D6157800E}" type="datetimeFigureOut">
               <a:rPr lang="zh-TW" altLang="en-US" smtClean="0"/>
-              <a:t>2018/3/29</a:t>
+              <a:t>2018/4/18</a:t>
             </a:fld>
             <a:endParaRPr lang="zh-TW" altLang="en-US"/>
           </a:p>
@@ -4722,7 +4723,7 @@
           <a:p>
             <a:fld id="{94D352DE-06F2-4ABE-9933-DE7D6157800E}" type="datetimeFigureOut">
               <a:rPr lang="zh-TW" altLang="en-US" smtClean="0"/>
-              <a:t>2018/3/29</a:t>
+              <a:t>2018/4/18</a:t>
             </a:fld>
             <a:endParaRPr lang="zh-TW" altLang="en-US"/>
           </a:p>
@@ -4992,7 +4993,7 @@
           <a:p>
             <a:fld id="{94D352DE-06F2-4ABE-9933-DE7D6157800E}" type="datetimeFigureOut">
               <a:rPr lang="zh-TW" altLang="en-US" smtClean="0"/>
-              <a:t>2018/3/29</a:t>
+              <a:t>2018/4/18</a:t>
             </a:fld>
             <a:endParaRPr lang="zh-TW" altLang="en-US"/>
           </a:p>
@@ -5526,11 +5527,7 @@
             </a:r>
             <a:r>
               <a:rPr lang="zh-TW" altLang="en-US" b="1" smtClean="0"/>
-              <a:t>、</a:t>
-            </a:r>
-            <a:r>
-              <a:rPr lang="zh-TW" altLang="en-US" b="1" smtClean="0"/>
-              <a:t>王志明</a:t>
+              <a:t>、王志明</a:t>
             </a:r>
             <a:endParaRPr lang="zh-TW" altLang="en-US" b="1" dirty="0"/>
           </a:p>
@@ -5540,6 +5537,103 @@
     <p:extLst>
       <p:ext uri="{BB962C8B-B14F-4D97-AF65-F5344CB8AC3E}">
         <p14:creationId xmlns:p14="http://schemas.microsoft.com/office/powerpoint/2010/main" val="3221741129"/>
+      </p:ext>
+    </p:extLst>
+  </p:cSld>
+  <p:clrMapOvr>
+    <a:masterClrMapping/>
+  </p:clrMapOvr>
+  <p:timing>
+    <p:tnLst>
+      <p:par>
+        <p:cTn id="1" dur="indefinite" restart="never" nodeType="tmRoot"/>
+      </p:par>
+    </p:tnLst>
+  </p:timing>
+</p:sld>
+</file>
+
+<file path=ppt/slides/slide10.xml><?xml version="1.0" encoding="utf-8"?>
+<p:sld xmlns:a="http://schemas.openxmlformats.org/drawingml/2006/main" xmlns:r="http://schemas.openxmlformats.org/officeDocument/2006/relationships" xmlns:p="http://schemas.openxmlformats.org/presentationml/2006/main">
+  <p:cSld>
+    <p:spTree>
+      <p:nvGrpSpPr>
+        <p:cNvPr id="1" name=""/>
+        <p:cNvGrpSpPr/>
+        <p:nvPr/>
+      </p:nvGrpSpPr>
+      <p:grpSpPr>
+        <a:xfrm>
+          <a:off x="0" y="0"/>
+          <a:ext cx="0" cy="0"/>
+          <a:chOff x="0" y="0"/>
+          <a:chExt cx="0" cy="0"/>
+        </a:xfrm>
+      </p:grpSpPr>
+      <p:sp>
+        <p:nvSpPr>
+          <p:cNvPr id="2" name="標題 1"/>
+          <p:cNvSpPr>
+            <a:spLocks noGrp="1"/>
+          </p:cNvSpPr>
+          <p:nvPr>
+            <p:ph type="title"/>
+          </p:nvPr>
+        </p:nvSpPr>
+        <p:spPr>
+          <a:xfrm>
+            <a:off x="760573" y="2473602"/>
+            <a:ext cx="10561418" cy="1468800"/>
+          </a:xfrm>
+        </p:spPr>
+        <p:txBody>
+          <a:bodyPr/>
+          <a:lstStyle/>
+          <a:p>
+            <a:pPr algn="ctr"/>
+            <a:r>
+              <a:rPr lang="en-US" altLang="zh-TW" sz="6600" dirty="0" smtClean="0"/>
+              <a:t>The END</a:t>
+            </a:r>
+            <a:endParaRPr lang="zh-TW" altLang="en-US" sz="6600" dirty="0"/>
+          </a:p>
+        </p:txBody>
+      </p:sp>
+      <p:sp>
+        <p:nvSpPr>
+          <p:cNvPr id="3" name="文字版面配置區 2"/>
+          <p:cNvSpPr>
+            <a:spLocks noGrp="1"/>
+          </p:cNvSpPr>
+          <p:nvPr>
+            <p:ph type="body" idx="1"/>
+          </p:nvPr>
+        </p:nvSpPr>
+        <p:spPr>
+          <a:xfrm>
+            <a:off x="9028670" y="5511861"/>
+            <a:ext cx="1543677" cy="433955"/>
+          </a:xfrm>
+        </p:spPr>
+        <p:txBody>
+          <a:bodyPr/>
+          <a:lstStyle/>
+          <a:p>
+            <a:r>
+              <a:rPr lang="zh-TW" altLang="en-US" sz="2000" b="1" dirty="0" smtClean="0"/>
+              <a:t>數據見真章</a:t>
+            </a:r>
+            <a:r>
+              <a:rPr lang="zh-TW" altLang="en-US" sz="2000" b="1" dirty="0"/>
+              <a:t>？</a:t>
+            </a:r>
+          </a:p>
+        </p:txBody>
+      </p:sp>
+    </p:spTree>
+    <p:extLst>
+      <p:ext uri="{BB962C8B-B14F-4D97-AF65-F5344CB8AC3E}">
+        <p14:creationId xmlns:p14="http://schemas.microsoft.com/office/powerpoint/2010/main" val="1291313995"/>
       </p:ext>
     </p:extLst>
   </p:cSld>
@@ -12839,6 +12933,79 @@
             <p:ph type="title"/>
           </p:nvPr>
         </p:nvSpPr>
+        <p:spPr>
+          <a:xfrm>
+            <a:off x="801288" y="570756"/>
+            <a:ext cx="10571998" cy="970450"/>
+          </a:xfrm>
+        </p:spPr>
+        <p:txBody>
+          <a:bodyPr/>
+          <a:lstStyle/>
+          <a:p>
+            <a:endParaRPr lang="zh-TW" altLang="en-US" dirty="0"/>
+          </a:p>
+        </p:txBody>
+      </p:sp>
+      <p:sp>
+        <p:nvSpPr>
+          <p:cNvPr id="3" name="內容版面配置區 2"/>
+          <p:cNvSpPr>
+            <a:spLocks noGrp="1"/>
+          </p:cNvSpPr>
+          <p:nvPr>
+            <p:ph idx="1"/>
+          </p:nvPr>
+        </p:nvSpPr>
+        <p:spPr/>
+        <p:txBody>
+          <a:bodyPr/>
+          <a:lstStyle/>
+          <a:p>
+            <a:endParaRPr lang="zh-TW" altLang="en-US"/>
+          </a:p>
+        </p:txBody>
+      </p:sp>
+    </p:spTree>
+    <p:extLst>
+      <p:ext uri="{BB962C8B-B14F-4D97-AF65-F5344CB8AC3E}">
+        <p14:creationId xmlns:p14="http://schemas.microsoft.com/office/powerpoint/2010/main" val="2777161750"/>
+      </p:ext>
+    </p:extLst>
+  </p:cSld>
+  <p:clrMapOvr>
+    <a:masterClrMapping/>
+  </p:clrMapOvr>
+</p:sld>
+</file>
+
+<file path=ppt/slides/slide9.xml><?xml version="1.0" encoding="utf-8"?>
+<p:sld xmlns:a="http://schemas.openxmlformats.org/drawingml/2006/main" xmlns:r="http://schemas.openxmlformats.org/officeDocument/2006/relationships" xmlns:p="http://schemas.openxmlformats.org/presentationml/2006/main">
+  <p:cSld>
+    <p:spTree>
+      <p:nvGrpSpPr>
+        <p:cNvPr id="1" name=""/>
+        <p:cNvGrpSpPr/>
+        <p:nvPr/>
+      </p:nvGrpSpPr>
+      <p:grpSpPr>
+        <a:xfrm>
+          <a:off x="0" y="0"/>
+          <a:ext cx="0" cy="0"/>
+          <a:chOff x="0" y="0"/>
+          <a:chExt cx="0" cy="0"/>
+        </a:xfrm>
+      </p:grpSpPr>
+      <p:sp>
+        <p:nvSpPr>
+          <p:cNvPr id="2" name="標題 1"/>
+          <p:cNvSpPr>
+            <a:spLocks noGrp="1"/>
+          </p:cNvSpPr>
+          <p:nvPr>
+            <p:ph type="title"/>
+          </p:nvPr>
+        </p:nvSpPr>
         <p:spPr/>
         <p:txBody>
           <a:bodyPr/>
@@ -13659,103 +13826,6 @@
     <p:extLst>
       <p:ext uri="{BB962C8B-B14F-4D97-AF65-F5344CB8AC3E}">
         <p14:creationId xmlns:p14="http://schemas.microsoft.com/office/powerpoint/2010/main" val="2661720754"/>
-      </p:ext>
-    </p:extLst>
-  </p:cSld>
-  <p:clrMapOvr>
-    <a:masterClrMapping/>
-  </p:clrMapOvr>
-  <p:timing>
-    <p:tnLst>
-      <p:par>
-        <p:cTn id="1" dur="indefinite" restart="never" nodeType="tmRoot"/>
-      </p:par>
-    </p:tnLst>
-  </p:timing>
-</p:sld>
-</file>
-
-<file path=ppt/slides/slide9.xml><?xml version="1.0" encoding="utf-8"?>
-<p:sld xmlns:a="http://schemas.openxmlformats.org/drawingml/2006/main" xmlns:r="http://schemas.openxmlformats.org/officeDocument/2006/relationships" xmlns:p="http://schemas.openxmlformats.org/presentationml/2006/main">
-  <p:cSld>
-    <p:spTree>
-      <p:nvGrpSpPr>
-        <p:cNvPr id="1" name=""/>
-        <p:cNvGrpSpPr/>
-        <p:nvPr/>
-      </p:nvGrpSpPr>
-      <p:grpSpPr>
-        <a:xfrm>
-          <a:off x="0" y="0"/>
-          <a:ext cx="0" cy="0"/>
-          <a:chOff x="0" y="0"/>
-          <a:chExt cx="0" cy="0"/>
-        </a:xfrm>
-      </p:grpSpPr>
-      <p:sp>
-        <p:nvSpPr>
-          <p:cNvPr id="2" name="標題 1"/>
-          <p:cNvSpPr>
-            <a:spLocks noGrp="1"/>
-          </p:cNvSpPr>
-          <p:nvPr>
-            <p:ph type="title"/>
-          </p:nvPr>
-        </p:nvSpPr>
-        <p:spPr>
-          <a:xfrm>
-            <a:off x="760573" y="2473602"/>
-            <a:ext cx="10561418" cy="1468800"/>
-          </a:xfrm>
-        </p:spPr>
-        <p:txBody>
-          <a:bodyPr/>
-          <a:lstStyle/>
-          <a:p>
-            <a:pPr algn="ctr"/>
-            <a:r>
-              <a:rPr lang="en-US" altLang="zh-TW" sz="6600" dirty="0" smtClean="0"/>
-              <a:t>The END</a:t>
-            </a:r>
-            <a:endParaRPr lang="zh-TW" altLang="en-US" sz="6600" dirty="0"/>
-          </a:p>
-        </p:txBody>
-      </p:sp>
-      <p:sp>
-        <p:nvSpPr>
-          <p:cNvPr id="3" name="文字版面配置區 2"/>
-          <p:cNvSpPr>
-            <a:spLocks noGrp="1"/>
-          </p:cNvSpPr>
-          <p:nvPr>
-            <p:ph type="body" idx="1"/>
-          </p:nvPr>
-        </p:nvSpPr>
-        <p:spPr>
-          <a:xfrm>
-            <a:off x="9028670" y="5511861"/>
-            <a:ext cx="1543677" cy="433955"/>
-          </a:xfrm>
-        </p:spPr>
-        <p:txBody>
-          <a:bodyPr/>
-          <a:lstStyle/>
-          <a:p>
-            <a:r>
-              <a:rPr lang="zh-TW" altLang="en-US" sz="2000" b="1" dirty="0" smtClean="0"/>
-              <a:t>數據見真章</a:t>
-            </a:r>
-            <a:r>
-              <a:rPr lang="zh-TW" altLang="en-US" sz="2000" b="1" dirty="0"/>
-              <a:t>？</a:t>
-            </a:r>
-          </a:p>
-        </p:txBody>
-      </p:sp>
-    </p:spTree>
-    <p:extLst>
-      <p:ext uri="{BB962C8B-B14F-4D97-AF65-F5344CB8AC3E}">
-        <p14:creationId xmlns:p14="http://schemas.microsoft.com/office/powerpoint/2010/main" val="1291313995"/>
       </p:ext>
     </p:extLst>
   </p:cSld>
